--- a/doc/Presentation/PPT Yiyang Zeng.pptx
+++ b/doc/Presentation/PPT Yiyang Zeng.pptx
@@ -207,7 +207,7 @@
           <a:p>
             <a:fld id="{CA43A2CB-3E7B-4AB8-93E6-2E00E360DE6C}" type="datetimeFigureOut">
               <a:rPr lang="en-US" smtClean="0"/>
-              <a:t>3/26/2019</a:t>
+              <a:t>3/27/2019</a:t>
             </a:fld>
             <a:endParaRPr lang="en-US"/>
           </a:p>
@@ -621,7 +621,7 @@
           <a:p>
             <a:fld id="{94556494-EEAE-4CEF-8451-07709108A245}" type="datetimeFigureOut">
               <a:rPr lang="en-US" smtClean="0"/>
-              <a:t>3/26/2019</a:t>
+              <a:t>3/27/2019</a:t>
             </a:fld>
             <a:endParaRPr lang="en-US"/>
           </a:p>
@@ -819,7 +819,7 @@
           <a:p>
             <a:fld id="{94556494-EEAE-4CEF-8451-07709108A245}" type="datetimeFigureOut">
               <a:rPr lang="en-US" smtClean="0"/>
-              <a:t>3/26/2019</a:t>
+              <a:t>3/27/2019</a:t>
             </a:fld>
             <a:endParaRPr lang="en-US"/>
           </a:p>
@@ -1027,7 +1027,7 @@
           <a:p>
             <a:fld id="{94556494-EEAE-4CEF-8451-07709108A245}" type="datetimeFigureOut">
               <a:rPr lang="en-US" smtClean="0"/>
-              <a:t>3/26/2019</a:t>
+              <a:t>3/27/2019</a:t>
             </a:fld>
             <a:endParaRPr lang="en-US"/>
           </a:p>
@@ -1225,7 +1225,7 @@
           <a:p>
             <a:fld id="{94556494-EEAE-4CEF-8451-07709108A245}" type="datetimeFigureOut">
               <a:rPr lang="en-US" smtClean="0"/>
-              <a:t>3/26/2019</a:t>
+              <a:t>3/27/2019</a:t>
             </a:fld>
             <a:endParaRPr lang="en-US"/>
           </a:p>
@@ -1500,7 +1500,7 @@
           <a:p>
             <a:fld id="{94556494-EEAE-4CEF-8451-07709108A245}" type="datetimeFigureOut">
               <a:rPr lang="en-US" smtClean="0"/>
-              <a:t>3/26/2019</a:t>
+              <a:t>3/27/2019</a:t>
             </a:fld>
             <a:endParaRPr lang="en-US"/>
           </a:p>
@@ -1765,7 +1765,7 @@
           <a:p>
             <a:fld id="{94556494-EEAE-4CEF-8451-07709108A245}" type="datetimeFigureOut">
               <a:rPr lang="en-US" smtClean="0"/>
-              <a:t>3/26/2019</a:t>
+              <a:t>3/27/2019</a:t>
             </a:fld>
             <a:endParaRPr lang="en-US"/>
           </a:p>
@@ -2177,7 +2177,7 @@
           <a:p>
             <a:fld id="{94556494-EEAE-4CEF-8451-07709108A245}" type="datetimeFigureOut">
               <a:rPr lang="en-US" smtClean="0"/>
-              <a:t>3/26/2019</a:t>
+              <a:t>3/27/2019</a:t>
             </a:fld>
             <a:endParaRPr lang="en-US"/>
           </a:p>
@@ -2318,7 +2318,7 @@
           <a:p>
             <a:fld id="{94556494-EEAE-4CEF-8451-07709108A245}" type="datetimeFigureOut">
               <a:rPr lang="en-US" smtClean="0"/>
-              <a:t>3/26/2019</a:t>
+              <a:t>3/27/2019</a:t>
             </a:fld>
             <a:endParaRPr lang="en-US"/>
           </a:p>
@@ -2431,7 +2431,7 @@
           <a:p>
             <a:fld id="{94556494-EEAE-4CEF-8451-07709108A245}" type="datetimeFigureOut">
               <a:rPr lang="en-US" smtClean="0"/>
-              <a:t>3/26/2019</a:t>
+              <a:t>3/27/2019</a:t>
             </a:fld>
             <a:endParaRPr lang="en-US"/>
           </a:p>
@@ -2742,7 +2742,7 @@
           <a:p>
             <a:fld id="{94556494-EEAE-4CEF-8451-07709108A245}" type="datetimeFigureOut">
               <a:rPr lang="en-US" smtClean="0"/>
-              <a:t>3/26/2019</a:t>
+              <a:t>3/27/2019</a:t>
             </a:fld>
             <a:endParaRPr lang="en-US"/>
           </a:p>
@@ -3030,7 +3030,7 @@
           <a:p>
             <a:fld id="{94556494-EEAE-4CEF-8451-07709108A245}" type="datetimeFigureOut">
               <a:rPr lang="en-US" smtClean="0"/>
-              <a:t>3/26/2019</a:t>
+              <a:t>3/27/2019</a:t>
             </a:fld>
             <a:endParaRPr lang="en-US"/>
           </a:p>
@@ -3271,7 +3271,7 @@
           <a:p>
             <a:fld id="{94556494-EEAE-4CEF-8451-07709108A245}" type="datetimeFigureOut">
               <a:rPr lang="en-US" smtClean="0"/>
-              <a:t>3/26/2019</a:t>
+              <a:t>3/27/2019</a:t>
             </a:fld>
             <a:endParaRPr lang="en-US"/>
           </a:p>
@@ -8622,8 +8622,8 @@
         </p:nvSpPr>
         <p:spPr>
           <a:xfrm>
-            <a:off x="838200" y="2671763"/>
-            <a:ext cx="10515600" cy="3505200"/>
+            <a:off x="6095848" y="2753936"/>
+            <a:ext cx="5815801" cy="3505200"/>
           </a:xfrm>
         </p:spPr>
         <p:txBody>
@@ -8632,7 +8632,7 @@
           <a:p>
             <a:r>
               <a:rPr lang="en-US" dirty="0"/>
-              <a:t>5 Fold Cross Validation</a:t>
+              <a:t>3 Fold Cross Validation</a:t>
             </a:r>
           </a:p>
           <a:p>
@@ -8671,10 +8671,57 @@
             </a:r>
           </a:p>
           <a:p>
+            <a:pPr lvl="1"/>
+            <a:r>
+              <a:rPr lang="en-US" dirty="0" err="1"/>
+              <a:t>Interaction_Depth</a:t>
+            </a:r>
+            <a:r>
+              <a:rPr lang="en-US" dirty="0"/>
+              <a:t> = 3</a:t>
+            </a:r>
+          </a:p>
+          <a:p>
             <a:endParaRPr lang="en-US" dirty="0"/>
           </a:p>
         </p:txBody>
       </p:sp>
+      <p:pic>
+        <p:nvPicPr>
+          <p:cNvPr id="5" name="Picture 4">
+            <a:extLst>
+              <a:ext uri="{FF2B5EF4-FFF2-40B4-BE49-F238E27FC236}">
+                <a16:creationId xmlns:a16="http://schemas.microsoft.com/office/drawing/2014/main" id="{B49077C8-98A9-4609-B794-15FE6BC1B484}"/>
+              </a:ext>
+            </a:extLst>
+          </p:cNvPr>
+          <p:cNvPicPr>
+            <a:picLocks noChangeAspect="1"/>
+          </p:cNvPicPr>
+          <p:nvPr/>
+        </p:nvPicPr>
+        <p:blipFill>
+          <a:blip r:embed="rId3">
+            <a:extLst>
+              <a:ext uri="{28A0092B-C50C-407E-A947-70E740481C1C}">
+                <a14:useLocalDpi xmlns:a14="http://schemas.microsoft.com/office/drawing/2010/main" val="0"/>
+              </a:ext>
+            </a:extLst>
+          </a:blip>
+          <a:stretch>
+            <a:fillRect/>
+          </a:stretch>
+        </p:blipFill>
+        <p:spPr>
+          <a:xfrm>
+            <a:off x="709220" y="2872740"/>
+            <a:ext cx="5033010" cy="2979420"/>
+          </a:xfrm>
+          <a:prstGeom prst="rect">
+            <a:avLst/>
+          </a:prstGeom>
+        </p:spPr>
+      </p:pic>
     </p:spTree>
     <p:extLst>
       <p:ext uri="{BB962C8B-B14F-4D97-AF65-F5344CB8AC3E}">
@@ -8919,7 +8966,7 @@
           <a:p>
             <a:r>
               <a:rPr lang="en-US" dirty="0"/>
-              <a:t>Mediocre Accuracy</a:t>
+              <a:t>Bad Accuracy</a:t>
             </a:r>
           </a:p>
           <a:p>
@@ -8927,6 +8974,313 @@
           </a:p>
         </p:txBody>
       </p:sp>
+      <p:graphicFrame>
+        <p:nvGraphicFramePr>
+          <p:cNvPr id="6" name="Table 5">
+            <a:extLst>
+              <a:ext uri="{FF2B5EF4-FFF2-40B4-BE49-F238E27FC236}">
+                <a16:creationId xmlns:a16="http://schemas.microsoft.com/office/drawing/2014/main" id="{70E84920-6771-4F2C-97AD-D683454EA164}"/>
+              </a:ext>
+            </a:extLst>
+          </p:cNvPr>
+          <p:cNvGraphicFramePr>
+            <a:graphicFrameLocks noGrp="1"/>
+          </p:cNvGraphicFramePr>
+          <p:nvPr>
+            <p:extLst>
+              <p:ext uri="{D42A27DB-BD31-4B8C-83A1-F6EECF244321}">
+                <p14:modId xmlns:p14="http://schemas.microsoft.com/office/powerpoint/2010/main" val="343937660"/>
+              </p:ext>
+            </p:extLst>
+          </p:nvPr>
+        </p:nvGraphicFramePr>
+        <p:xfrm>
+          <a:off x="304648" y="2814637"/>
+          <a:ext cx="5791200" cy="2961812"/>
+        </p:xfrm>
+        <a:graphic>
+          <a:graphicData uri="http://schemas.openxmlformats.org/drawingml/2006/table">
+            <a:tbl>
+              <a:tblPr firstCol="1" bandRow="1">
+                <a:tableStyleId>{5C22544A-7EE6-4342-B048-85BDC9FD1C3A}</a:tableStyleId>
+              </a:tblPr>
+              <a:tblGrid>
+                <a:gridCol w="1363832">
+                  <a:extLst>
+                    <a:ext uri="{9D8B030D-6E8A-4147-A177-3AD203B41FA5}">
+                      <a16:colId xmlns:a16="http://schemas.microsoft.com/office/drawing/2014/main" val="3692256280"/>
+                    </a:ext>
+                  </a:extLst>
+                </a:gridCol>
+                <a:gridCol w="1417468">
+                  <a:extLst>
+                    <a:ext uri="{9D8B030D-6E8A-4147-A177-3AD203B41FA5}">
+                      <a16:colId xmlns:a16="http://schemas.microsoft.com/office/drawing/2014/main" val="2026371112"/>
+                    </a:ext>
+                  </a:extLst>
+                </a:gridCol>
+                <a:gridCol w="1171575">
+                  <a:extLst>
+                    <a:ext uri="{9D8B030D-6E8A-4147-A177-3AD203B41FA5}">
+                      <a16:colId xmlns:a16="http://schemas.microsoft.com/office/drawing/2014/main" val="3838106801"/>
+                    </a:ext>
+                  </a:extLst>
+                </a:gridCol>
+                <a:gridCol w="1838325">
+                  <a:extLst>
+                    <a:ext uri="{9D8B030D-6E8A-4147-A177-3AD203B41FA5}">
+                      <a16:colId xmlns:a16="http://schemas.microsoft.com/office/drawing/2014/main" val="2616439823"/>
+                    </a:ext>
+                  </a:extLst>
+                </a:gridCol>
+              </a:tblGrid>
+              <a:tr h="740453">
+                <a:tc>
+                  <a:txBody>
+                    <a:bodyPr/>
+                    <a:lstStyle/>
+                    <a:p>
+                      <a:pPr algn="ctr"/>
+                      <a:endParaRPr lang="en-US" dirty="0"/>
+                    </a:p>
+                  </a:txBody>
+                  <a:tcPr anchor="ctr"/>
+                </a:tc>
+                <a:tc>
+                  <a:txBody>
+                    <a:bodyPr/>
+                    <a:lstStyle/>
+                    <a:p>
+                      <a:pPr algn="ctr"/>
+                      <a:r>
+                        <a:rPr lang="en-US" dirty="0"/>
+                        <a:t>Feature Construction</a:t>
+                      </a:r>
+                    </a:p>
+                  </a:txBody>
+                  <a:tcPr anchor="ctr"/>
+                </a:tc>
+                <a:tc>
+                  <a:txBody>
+                    <a:bodyPr/>
+                    <a:lstStyle/>
+                    <a:p>
+                      <a:pPr algn="ctr"/>
+                      <a:r>
+                        <a:rPr lang="en-US" dirty="0"/>
+                        <a:t>Model Training</a:t>
+                      </a:r>
+                    </a:p>
+                  </a:txBody>
+                  <a:tcPr anchor="ctr"/>
+                </a:tc>
+                <a:tc>
+                  <a:txBody>
+                    <a:bodyPr/>
+                    <a:lstStyle/>
+                    <a:p>
+                      <a:pPr algn="ctr"/>
+                      <a:r>
+                        <a:rPr lang="en-US" dirty="0"/>
+                        <a:t>Super-Resolution</a:t>
+                      </a:r>
+                    </a:p>
+                  </a:txBody>
+                  <a:tcPr anchor="ctr"/>
+                </a:tc>
+                <a:extLst>
+                  <a:ext uri="{0D108BD9-81ED-4DB2-BD59-A6C34878D82A}">
+                    <a16:rowId xmlns:a16="http://schemas.microsoft.com/office/drawing/2014/main" val="3323513519"/>
+                  </a:ext>
+                </a:extLst>
+              </a:tr>
+              <a:tr h="740453">
+                <a:tc>
+                  <a:txBody>
+                    <a:bodyPr/>
+                    <a:lstStyle/>
+                    <a:p>
+                      <a:pPr algn="ctr"/>
+                      <a:r>
+                        <a:rPr lang="en-US" dirty="0"/>
+                        <a:t>Total Time (sec)</a:t>
+                      </a:r>
+                    </a:p>
+                  </a:txBody>
+                  <a:tcPr anchor="ctr"/>
+                </a:tc>
+                <a:tc>
+                  <a:txBody>
+                    <a:bodyPr/>
+                    <a:lstStyle/>
+                    <a:p>
+                      <a:pPr algn="ctr"/>
+                      <a:r>
+                        <a:rPr lang="en-US" dirty="0"/>
+                        <a:t>338.55</a:t>
+                      </a:r>
+                    </a:p>
+                  </a:txBody>
+                  <a:tcPr anchor="ctr"/>
+                </a:tc>
+                <a:tc>
+                  <a:txBody>
+                    <a:bodyPr/>
+                    <a:lstStyle/>
+                    <a:p>
+                      <a:pPr algn="ctr"/>
+                      <a:r>
+                        <a:rPr lang="en-US" dirty="0"/>
+                        <a:t>552.75</a:t>
+                      </a:r>
+                    </a:p>
+                  </a:txBody>
+                  <a:tcPr anchor="ctr"/>
+                </a:tc>
+                <a:tc>
+                  <a:txBody>
+                    <a:bodyPr/>
+                    <a:lstStyle/>
+                    <a:p>
+                      <a:pPr algn="ctr"/>
+                      <a:r>
+                        <a:rPr lang="en-US" dirty="0"/>
+                        <a:t>69.02                    (99 test images)</a:t>
+                      </a:r>
+                    </a:p>
+                  </a:txBody>
+                  <a:tcPr anchor="ctr"/>
+                </a:tc>
+                <a:extLst>
+                  <a:ext uri="{0D108BD9-81ED-4DB2-BD59-A6C34878D82A}">
+                    <a16:rowId xmlns:a16="http://schemas.microsoft.com/office/drawing/2014/main" val="2513229053"/>
+                  </a:ext>
+                </a:extLst>
+              </a:tr>
+              <a:tr h="740453">
+                <a:tc>
+                  <a:txBody>
+                    <a:bodyPr/>
+                    <a:lstStyle/>
+                    <a:p>
+                      <a:pPr algn="ctr"/>
+                      <a:r>
+                        <a:rPr lang="en-US" dirty="0"/>
+                        <a:t>Per Image Time (sec)</a:t>
+                      </a:r>
+                    </a:p>
+                  </a:txBody>
+                  <a:tcPr anchor="ctr"/>
+                </a:tc>
+                <a:tc>
+                  <a:txBody>
+                    <a:bodyPr/>
+                    <a:lstStyle/>
+                    <a:p>
+                      <a:pPr algn="ctr"/>
+                      <a:r>
+                        <a:rPr lang="en-US" dirty="0"/>
+                        <a:t>0.23</a:t>
+                      </a:r>
+                    </a:p>
+                  </a:txBody>
+                  <a:tcPr anchor="ctr"/>
+                </a:tc>
+                <a:tc>
+                  <a:txBody>
+                    <a:bodyPr/>
+                    <a:lstStyle/>
+                    <a:p>
+                      <a:pPr algn="ctr"/>
+                      <a:r>
+                        <a:rPr lang="en-US" dirty="0"/>
+                        <a:t>0.37</a:t>
+                      </a:r>
+                    </a:p>
+                  </a:txBody>
+                  <a:tcPr anchor="ctr"/>
+                </a:tc>
+                <a:tc>
+                  <a:txBody>
+                    <a:bodyPr/>
+                    <a:lstStyle/>
+                    <a:p>
+                      <a:pPr algn="ctr"/>
+                      <a:r>
+                        <a:rPr lang="en-US" dirty="0"/>
+                        <a:t>0.70</a:t>
+                      </a:r>
+                    </a:p>
+                  </a:txBody>
+                  <a:tcPr anchor="ctr"/>
+                </a:tc>
+                <a:extLst>
+                  <a:ext uri="{0D108BD9-81ED-4DB2-BD59-A6C34878D82A}">
+                    <a16:rowId xmlns:a16="http://schemas.microsoft.com/office/drawing/2014/main" val="923373011"/>
+                  </a:ext>
+                </a:extLst>
+              </a:tr>
+              <a:tr h="740453">
+                <a:tc>
+                  <a:txBody>
+                    <a:bodyPr/>
+                    <a:lstStyle/>
+                    <a:p>
+                      <a:pPr algn="ctr"/>
+                      <a:r>
+                        <a:rPr lang="en-US" dirty="0"/>
+                        <a:t>PSNR</a:t>
+                      </a:r>
+                    </a:p>
+                  </a:txBody>
+                  <a:tcPr anchor="ctr"/>
+                </a:tc>
+                <a:tc gridSpan="3">
+                  <a:txBody>
+                    <a:bodyPr/>
+                    <a:lstStyle/>
+                    <a:p>
+                      <a:pPr algn="ctr"/>
+                      <a:r>
+                        <a:rPr lang="en-US" dirty="0"/>
+                        <a:t>Around 20</a:t>
+                      </a:r>
+                    </a:p>
+                  </a:txBody>
+                  <a:tcPr anchor="ctr"/>
+                </a:tc>
+                <a:tc hMerge="1">
+                  <a:txBody>
+                    <a:bodyPr/>
+                    <a:lstStyle/>
+                    <a:p>
+                      <a:pPr algn="ctr"/>
+                      <a:endParaRPr lang="en-US" dirty="0"/>
+                    </a:p>
+                  </a:txBody>
+                  <a:tcPr/>
+                </a:tc>
+                <a:tc hMerge="1">
+                  <a:txBody>
+                    <a:bodyPr/>
+                    <a:lstStyle/>
+                    <a:p>
+                      <a:pPr algn="ctr"/>
+                      <a:endParaRPr lang="en-US" dirty="0"/>
+                    </a:p>
+                  </a:txBody>
+                  <a:tcPr/>
+                </a:tc>
+                <a:extLst>
+                  <a:ext uri="{0D108BD9-81ED-4DB2-BD59-A6C34878D82A}">
+                    <a16:rowId xmlns:a16="http://schemas.microsoft.com/office/drawing/2014/main" val="2084317347"/>
+                  </a:ext>
+                </a:extLst>
+              </a:tr>
+            </a:tbl>
+          </a:graphicData>
+        </a:graphic>
+      </p:graphicFrame>
     </p:spTree>
     <p:extLst>
       <p:ext uri="{BB962C8B-B14F-4D97-AF65-F5344CB8AC3E}">
@@ -9582,7 +9936,7 @@
           <p:nvPr>
             <p:extLst>
               <p:ext uri="{D42A27DB-BD31-4B8C-83A1-F6EECF244321}">
-                <p14:modId xmlns:p14="http://schemas.microsoft.com/office/powerpoint/2010/main" val="562781149"/>
+                <p14:modId xmlns:p14="http://schemas.microsoft.com/office/powerpoint/2010/main" val="2482037925"/>
               </p:ext>
             </p:extLst>
           </p:nvPr>
@@ -9738,7 +10092,7 @@
                       <a:pPr algn="ctr"/>
                       <a:r>
                         <a:rPr lang="en-US" dirty="0"/>
-                        <a:t>7.27                    (25 test images)</a:t>
+                        <a:t>7.27                    (99 test images)</a:t>
                       </a:r>
                     </a:p>
                   </a:txBody>
@@ -9836,7 +10190,7 @@
                       <a:pPr algn="ctr"/>
                       <a:r>
                         <a:rPr lang="en-US" dirty="0"/>
-                        <a:t>19.08</a:t>
+                        <a:t>26.83</a:t>
                       </a:r>
                     </a:p>
                   </a:txBody>
@@ -9957,7 +10311,7 @@
           <p:nvPr>
             <p:extLst>
               <p:ext uri="{D42A27DB-BD31-4B8C-83A1-F6EECF244321}">
-                <p14:modId xmlns:p14="http://schemas.microsoft.com/office/powerpoint/2010/main" val="3426181587"/>
+                <p14:modId xmlns:p14="http://schemas.microsoft.com/office/powerpoint/2010/main" val="4123300664"/>
               </p:ext>
             </p:extLst>
           </p:nvPr>
@@ -10104,7 +10458,7 @@
                       <a:pPr algn="ctr"/>
                       <a:r>
                         <a:rPr lang="en-US" dirty="0"/>
-                        <a:t>19.08</a:t>
+                        <a:t>20</a:t>
                       </a:r>
                     </a:p>
                   </a:txBody>
@@ -10116,7 +10470,10 @@
                     <a:lstStyle/>
                     <a:p>
                       <a:pPr algn="ctr"/>
-                      <a:endParaRPr lang="en-US"/>
+                      <a:r>
+                        <a:rPr lang="en-US" dirty="0"/>
+                        <a:t>26.83</a:t>
+                      </a:r>
                     </a:p>
                   </a:txBody>
                   <a:tcPr anchor="ctr"/>
@@ -10172,7 +10529,7 @@
                       <a:pPr algn="ctr"/>
                       <a:r>
                         <a:rPr lang="en-US" dirty="0"/>
-                        <a:t>361.06</a:t>
+                        <a:t>338.55</a:t>
                       </a:r>
                     </a:p>
                   </a:txBody>
@@ -10184,7 +10541,10 @@
                     <a:lstStyle/>
                     <a:p>
                       <a:pPr algn="ctr"/>
-                      <a:endParaRPr lang="en-US" dirty="0"/>
+                      <a:r>
+                        <a:rPr lang="en-US" dirty="0"/>
+                        <a:t>361.06</a:t>
+                      </a:r>
                     </a:p>
                   </a:txBody>
                   <a:tcPr anchor="ctr"/>
@@ -10237,7 +10597,7 @@
                       <a:pPr algn="ctr"/>
                       <a:r>
                         <a:rPr lang="en-US" dirty="0"/>
-                        <a:t>46.5</a:t>
+                        <a:t>552.75</a:t>
                       </a:r>
                     </a:p>
                   </a:txBody>
@@ -10249,7 +10609,10 @@
                     <a:lstStyle/>
                     <a:p>
                       <a:pPr algn="ctr"/>
-                      <a:endParaRPr lang="en-US"/>
+                      <a:r>
+                        <a:rPr lang="en-US" dirty="0"/>
+                        <a:t>46.5</a:t>
+                      </a:r>
                     </a:p>
                   </a:txBody>
                   <a:tcPr anchor="ctr"/>
@@ -10284,21 +10647,8 @@
                             <a:schemeClr val="bg1"/>
                           </a:solidFill>
                         </a:rPr>
-                        <a:t>Super-Resolution on 25 Test </a:t>
+                        <a:t>Super-Resolution (99 Test Images)</a:t>
                       </a:r>
-                      <a:r>
-                        <a:rPr lang="en-US" dirty="0" err="1">
-                          <a:solidFill>
-                            <a:schemeClr val="bg1"/>
-                          </a:solidFill>
-                        </a:rPr>
-                        <a:t>Imsges</a:t>
-                      </a:r>
-                      <a:endParaRPr lang="en-US" dirty="0">
-                        <a:solidFill>
-                          <a:schemeClr val="bg1"/>
-                        </a:solidFill>
-                      </a:endParaRPr>
                     </a:p>
                   </a:txBody>
                   <a:tcPr anchor="ctr">
@@ -10315,7 +10665,7 @@
                       <a:pPr algn="ctr"/>
                       <a:r>
                         <a:rPr lang="en-US" dirty="0"/>
-                        <a:t>7.27</a:t>
+                        <a:t>69.02</a:t>
                       </a:r>
                     </a:p>
                   </a:txBody>
@@ -10327,7 +10677,10 @@
                     <a:lstStyle/>
                     <a:p>
                       <a:pPr algn="ctr"/>
-                      <a:endParaRPr lang="en-US" dirty="0"/>
+                      <a:r>
+                        <a:rPr lang="en-US" dirty="0"/>
+                        <a:t>7.27</a:t>
+                      </a:r>
                     </a:p>
                   </a:txBody>
                   <a:tcPr anchor="ctr"/>

--- a/doc/Presentation/PPT Yiyang Zeng.pptx
+++ b/doc/Presentation/PPT Yiyang Zeng.pptx
@@ -9936,7 +9936,7 @@
           <p:nvPr>
             <p:extLst>
               <p:ext uri="{D42A27DB-BD31-4B8C-83A1-F6EECF244321}">
-                <p14:modId xmlns:p14="http://schemas.microsoft.com/office/powerpoint/2010/main" val="2482037925"/>
+                <p14:modId xmlns:p14="http://schemas.microsoft.com/office/powerpoint/2010/main" val="718615978"/>
               </p:ext>
             </p:extLst>
           </p:nvPr>
@@ -10078,7 +10078,7 @@
                       <a:pPr algn="ctr"/>
                       <a:r>
                         <a:rPr lang="en-US" dirty="0"/>
-                        <a:t>46.5</a:t>
+                        <a:t>465.03</a:t>
                       </a:r>
                     </a:p>
                   </a:txBody>
@@ -10092,7 +10092,7 @@
                       <a:pPr algn="ctr"/>
                       <a:r>
                         <a:rPr lang="en-US" dirty="0"/>
-                        <a:t>7.27                    (99 test images)</a:t>
+                        <a:t>28.79                    (99 test images)</a:t>
                       </a:r>
                     </a:p>
                   </a:txBody>
@@ -10141,7 +10141,7 @@
                       <a:pPr algn="ctr"/>
                       <a:r>
                         <a:rPr lang="en-US" dirty="0"/>
-                        <a:t>0.031</a:t>
+                        <a:t>0.31</a:t>
                       </a:r>
                     </a:p>
                   </a:txBody>
@@ -10311,7 +10311,7 @@
           <p:nvPr>
             <p:extLst>
               <p:ext uri="{D42A27DB-BD31-4B8C-83A1-F6EECF244321}">
-                <p14:modId xmlns:p14="http://schemas.microsoft.com/office/powerpoint/2010/main" val="4123300664"/>
+                <p14:modId xmlns:p14="http://schemas.microsoft.com/office/powerpoint/2010/main" val="3574992062"/>
               </p:ext>
             </p:extLst>
           </p:nvPr>
@@ -10611,7 +10611,7 @@
                       <a:pPr algn="ctr"/>
                       <a:r>
                         <a:rPr lang="en-US" dirty="0"/>
-                        <a:t>46.5</a:t>
+                        <a:t>465.03</a:t>
                       </a:r>
                     </a:p>
                   </a:txBody>
@@ -10678,9 +10678,10 @@
                     <a:p>
                       <a:pPr algn="ctr"/>
                       <a:r>
-                        <a:rPr lang="en-US" dirty="0"/>
-                        <a:t>7.27</a:t>
+                        <a:rPr lang="en-US"/>
+                        <a:t>28.79</a:t>
                       </a:r>
+                      <a:endParaRPr lang="en-US" dirty="0"/>
                     </a:p>
                   </a:txBody>
                   <a:tcPr anchor="ctr"/>

--- a/doc/Presentation/PPT Yiyang Zeng.pptx
+++ b/doc/Presentation/PPT Yiyang Zeng.pptx
@@ -8989,7 +8989,7 @@
           <p:nvPr>
             <p:extLst>
               <p:ext uri="{D42A27DB-BD31-4B8C-83A1-F6EECF244321}">
-                <p14:modId xmlns:p14="http://schemas.microsoft.com/office/powerpoint/2010/main" val="343937660"/>
+                <p14:modId xmlns:p14="http://schemas.microsoft.com/office/powerpoint/2010/main" val="1050080082"/>
               </p:ext>
             </p:extLst>
           </p:nvPr>
@@ -9117,7 +9117,7 @@
                       <a:pPr algn="ctr"/>
                       <a:r>
                         <a:rPr lang="en-US" dirty="0"/>
-                        <a:t>338.55</a:t>
+                        <a:t>489.44</a:t>
                       </a:r>
                     </a:p>
                   </a:txBody>
@@ -9131,7 +9131,7 @@
                       <a:pPr algn="ctr"/>
                       <a:r>
                         <a:rPr lang="en-US" dirty="0"/>
-                        <a:t>552.75</a:t>
+                        <a:t>7328.06</a:t>
                       </a:r>
                     </a:p>
                   </a:txBody>
@@ -9145,7 +9145,7 @@
                       <a:pPr algn="ctr"/>
                       <a:r>
                         <a:rPr lang="en-US" dirty="0"/>
-                        <a:t>69.02                    (99 test images)</a:t>
+                        <a:t>2049.75                   </a:t>
                       </a:r>
                     </a:p>
                   </a:txBody>
@@ -9180,7 +9180,7 @@
                       <a:pPr algn="ctr"/>
                       <a:r>
                         <a:rPr lang="en-US" dirty="0"/>
-                        <a:t>0.23</a:t>
+                        <a:t>0.33</a:t>
                       </a:r>
                     </a:p>
                   </a:txBody>
@@ -9194,7 +9194,7 @@
                       <a:pPr algn="ctr"/>
                       <a:r>
                         <a:rPr lang="en-US" dirty="0"/>
-                        <a:t>0.37</a:t>
+                        <a:t>4.89</a:t>
                       </a:r>
                     </a:p>
                   </a:txBody>
@@ -9208,7 +9208,7 @@
                       <a:pPr algn="ctr"/>
                       <a:r>
                         <a:rPr lang="en-US" dirty="0"/>
-                        <a:t>0.70</a:t>
+                        <a:t>1.37</a:t>
                       </a:r>
                     </a:p>
                   </a:txBody>
@@ -10311,7 +10311,7 @@
           <p:nvPr>
             <p:extLst>
               <p:ext uri="{D42A27DB-BD31-4B8C-83A1-F6EECF244321}">
-                <p14:modId xmlns:p14="http://schemas.microsoft.com/office/powerpoint/2010/main" val="3574992062"/>
+                <p14:modId xmlns:p14="http://schemas.microsoft.com/office/powerpoint/2010/main" val="2029703504"/>
               </p:ext>
             </p:extLst>
           </p:nvPr>
@@ -10529,7 +10529,7 @@
                       <a:pPr algn="ctr"/>
                       <a:r>
                         <a:rPr lang="en-US" dirty="0"/>
-                        <a:t>338.55</a:t>
+                        <a:t>489.44</a:t>
                       </a:r>
                     </a:p>
                   </a:txBody>
@@ -10597,7 +10597,7 @@
                       <a:pPr algn="ctr"/>
                       <a:r>
                         <a:rPr lang="en-US" dirty="0"/>
-                        <a:t>552.75</a:t>
+                        <a:t>7328.06</a:t>
                       </a:r>
                     </a:p>
                   </a:txBody>
@@ -10647,7 +10647,7 @@
                             <a:schemeClr val="bg1"/>
                           </a:solidFill>
                         </a:rPr>
-                        <a:t>Super-Resolution (99 Test Images)</a:t>
+                        <a:t>Super-Resolution Per Image</a:t>
                       </a:r>
                     </a:p>
                   </a:txBody>
@@ -10665,7 +10665,7 @@
                       <a:pPr algn="ctr"/>
                       <a:r>
                         <a:rPr lang="en-US" dirty="0"/>
-                        <a:t>69.02</a:t>
+                        <a:t>1.37</a:t>
                       </a:r>
                     </a:p>
                   </a:txBody>
@@ -10679,7 +10679,7 @@
                       <a:pPr algn="ctr"/>
                       <a:r>
                         <a:rPr lang="en-US"/>
-                        <a:t>28.79</a:t>
+                        <a:t>0.29</a:t>
                       </a:r>
                       <a:endParaRPr lang="en-US" dirty="0"/>
                     </a:p>

--- a/doc/Presentation/PPT Yiyang Zeng.pptx
+++ b/doc/Presentation/PPT Yiyang Zeng.pptx
@@ -8989,7 +8989,7 @@
           <p:nvPr>
             <p:extLst>
               <p:ext uri="{D42A27DB-BD31-4B8C-83A1-F6EECF244321}">
-                <p14:modId xmlns:p14="http://schemas.microsoft.com/office/powerpoint/2010/main" val="1050080082"/>
+                <p14:modId xmlns:p14="http://schemas.microsoft.com/office/powerpoint/2010/main" val="2665079578"/>
               </p:ext>
             </p:extLst>
           </p:nvPr>
@@ -9243,7 +9243,7 @@
                       <a:pPr algn="ctr"/>
                       <a:r>
                         <a:rPr lang="en-US" dirty="0"/>
-                        <a:t>Around 20</a:t>
+                        <a:t>Around 23</a:t>
                       </a:r>
                     </a:p>
                   </a:txBody>
@@ -9936,7 +9936,7 @@
           <p:nvPr>
             <p:extLst>
               <p:ext uri="{D42A27DB-BD31-4B8C-83A1-F6EECF244321}">
-                <p14:modId xmlns:p14="http://schemas.microsoft.com/office/powerpoint/2010/main" val="718615978"/>
+                <p14:modId xmlns:p14="http://schemas.microsoft.com/office/powerpoint/2010/main" val="3986533644"/>
               </p:ext>
             </p:extLst>
           </p:nvPr>
@@ -10078,7 +10078,7 @@
                       <a:pPr algn="ctr"/>
                       <a:r>
                         <a:rPr lang="en-US" dirty="0"/>
-                        <a:t>465.03</a:t>
+                        <a:t>1665.03</a:t>
                       </a:r>
                     </a:p>
                   </a:txBody>
@@ -10092,7 +10092,7 @@
                       <a:pPr algn="ctr"/>
                       <a:r>
                         <a:rPr lang="en-US" dirty="0"/>
-                        <a:t>28.79                    (99 test images)</a:t>
+                        <a:t>154.44                  (99 test images)</a:t>
                       </a:r>
                     </a:p>
                   </a:txBody>
@@ -10141,7 +10141,7 @@
                       <a:pPr algn="ctr"/>
                       <a:r>
                         <a:rPr lang="en-US" dirty="0"/>
-                        <a:t>0.31</a:t>
+                        <a:t>1.11</a:t>
                       </a:r>
                     </a:p>
                   </a:txBody>
@@ -10155,7 +10155,7 @@
                       <a:pPr algn="ctr"/>
                       <a:r>
                         <a:rPr lang="en-US" dirty="0"/>
-                        <a:t>0.29</a:t>
+                        <a:t>1.56</a:t>
                       </a:r>
                     </a:p>
                   </a:txBody>
@@ -10190,7 +10190,7 @@
                       <a:pPr algn="ctr"/>
                       <a:r>
                         <a:rPr lang="en-US" dirty="0"/>
-                        <a:t>26.83</a:t>
+                        <a:t>Around 26</a:t>
                       </a:r>
                     </a:p>
                   </a:txBody>
@@ -10311,7 +10311,7 @@
           <p:nvPr>
             <p:extLst>
               <p:ext uri="{D42A27DB-BD31-4B8C-83A1-F6EECF244321}">
-                <p14:modId xmlns:p14="http://schemas.microsoft.com/office/powerpoint/2010/main" val="2029703504"/>
+                <p14:modId xmlns:p14="http://schemas.microsoft.com/office/powerpoint/2010/main" val="3710611237"/>
               </p:ext>
             </p:extLst>
           </p:nvPr>
@@ -10611,7 +10611,7 @@
                       <a:pPr algn="ctr"/>
                       <a:r>
                         <a:rPr lang="en-US" dirty="0"/>
-                        <a:t>465.03</a:t>
+                        <a:t>1665.03</a:t>
                       </a:r>
                     </a:p>
                   </a:txBody>
@@ -10679,7 +10679,7 @@
                       <a:pPr algn="ctr"/>
                       <a:r>
                         <a:rPr lang="en-US"/>
-                        <a:t>0.29</a:t>
+                        <a:t>1.56</a:t>
                       </a:r>
                       <a:endParaRPr lang="en-US" dirty="0"/>
                     </a:p>

--- a/doc/Presentation/PPT Yiyang Zeng.pptx
+++ b/doc/Presentation/PPT Yiyang Zeng.pptx
@@ -8989,7 +8989,7 @@
           <p:nvPr>
             <p:extLst>
               <p:ext uri="{D42A27DB-BD31-4B8C-83A1-F6EECF244321}">
-                <p14:modId xmlns:p14="http://schemas.microsoft.com/office/powerpoint/2010/main" val="2665079578"/>
+                <p14:modId xmlns:p14="http://schemas.microsoft.com/office/powerpoint/2010/main" val="959611333"/>
               </p:ext>
             </p:extLst>
           </p:nvPr>
@@ -9243,7 +9243,7 @@
                       <a:pPr algn="ctr"/>
                       <a:r>
                         <a:rPr lang="en-US" dirty="0"/>
-                        <a:t>Around 23</a:t>
+                        <a:t>Around 23 (Using 100 images)</a:t>
                       </a:r>
                     </a:p>
                   </a:txBody>
